--- a/slides.pptx
+++ b/slides.pptx
@@ -108,6 +108,11 @@
       </a:defRPr>
     </a:lvl9pPr>
   </p:defaultTextStyle>
+  <p:extLst>
+    <p:ext uri="{EFAFB233-063F-42B5-8137-9DF3F51BA10A}">
+      <p15:sldGuideLst xmlns:p15="http://schemas.microsoft.com/office/powerpoint/2012/main"/>
+    </p:ext>
+  </p:extLst>
 </p:presentation>
 </file>
 
@@ -3365,8 +3370,8 @@
           </a:p>
         </p:txBody>
       </p:sp>
-      <mc:AlternateContent xmlns:mc="http://schemas.openxmlformats.org/markup-compatibility/2006">
-        <mc:Choice xmlns:a14="http://schemas.microsoft.com/office/drawing/2010/main" Requires="a14">
+      <mc:AlternateContent xmlns:mc="http://schemas.openxmlformats.org/markup-compatibility/2006" xmlns:a14="http://schemas.microsoft.com/office/drawing/2010/main">
+        <mc:Choice Requires="a14">
           <p:sp>
             <p:nvSpPr>
               <p:cNvPr id="3" name="Content Placeholder 2">
@@ -3529,7 +3534,7 @@
             </p:txBody>
           </p:sp>
         </mc:Choice>
-        <mc:Fallback>
+        <mc:Fallback xmlns="">
           <p:sp>
             <p:nvSpPr>
               <p:cNvPr id="3" name="Content Placeholder 2">
@@ -4090,7 +4095,7 @@
             <p:ph idx="1"/>
             <p:extLst>
               <p:ext uri="{D42A27DB-BD31-4B8C-83A1-F6EECF244321}">
-                <p14:modId xmlns:p14="http://schemas.microsoft.com/office/powerpoint/2010/main" val="460427598"/>
+                <p14:modId xmlns:p14="http://schemas.microsoft.com/office/powerpoint/2010/main" val="3695861206"/>
               </p:ext>
             </p:extLst>
           </p:nvPr>
@@ -4321,7 +4326,7 @@
                     <a:p>
                       <a:r>
                         <a:rPr lang="en-US" dirty="0"/>
-                        <a:t>0.690</a:t>
+                        <a:t>0.548</a:t>
                       </a:r>
                     </a:p>
                   </a:txBody>
@@ -4334,7 +4339,7 @@
                     <a:p>
                       <a:r>
                         <a:rPr lang="en-US" dirty="0"/>
-                        <a:t>0.548</a:t>
+                        <a:t>0.690</a:t>
                       </a:r>
                     </a:p>
                   </a:txBody>
